--- a/Final Scripts/SAARs in freq peptides of species.pptx
+++ b/Final Scripts/SAARs in freq peptides of species.pptx
@@ -9,6 +9,7 @@
     <p:sldId id="257" r:id="rId3"/>
     <p:sldId id="258" r:id="rId4"/>
     <p:sldId id="259" r:id="rId5"/>
+    <p:sldId id="260" r:id="rId6"/>
   </p:sldIdLst>
   <p:sldSz cx="12192000" cy="6858000"/>
   <p:notesSz cx="6858000" cy="9144000"/>
@@ -107,6 +108,11 @@
       </a:defRPr>
     </a:lvl9pPr>
   </p:defaultTextStyle>
+  <p:extLst>
+    <p:ext uri="{EFAFB233-063F-42B5-8137-9DF3F51BA10A}">
+      <p15:sldGuideLst xmlns:p15="http://schemas.microsoft.com/office/powerpoint/2012/main"/>
+    </p:ext>
+  </p:extLst>
 </p:presentation>
 </file>
 
@@ -1921,6 +1927,589 @@
           </a:p>
         </c:txPr>
         <c:crossAx val="467365424"/>
+        <c:crosses val="autoZero"/>
+        <c:crossBetween val="between"/>
+      </c:valAx>
+      <c:spPr>
+        <a:noFill/>
+        <a:ln>
+          <a:noFill/>
+        </a:ln>
+        <a:effectLst/>
+      </c:spPr>
+    </c:plotArea>
+    <c:plotVisOnly val="1"/>
+    <c:dispBlanksAs val="gap"/>
+    <c:showDLblsOverMax val="0"/>
+  </c:chart>
+  <c:spPr>
+    <a:noFill/>
+    <a:ln>
+      <a:noFill/>
+    </a:ln>
+    <a:effectLst/>
+  </c:spPr>
+  <c:txPr>
+    <a:bodyPr/>
+    <a:lstStyle/>
+    <a:p>
+      <a:pPr>
+        <a:defRPr/>
+      </a:pPr>
+      <a:endParaRPr lang="ro-RO"/>
+    </a:p>
+  </c:txPr>
+  <c:externalData r:id="rId3">
+    <c:autoUpdate val="0"/>
+  </c:externalData>
+</c:chartSpace>
+</file>
+
+<file path=ppt/charts/chart5.xml><?xml version="1.0" encoding="utf-8"?>
+<c:chartSpace xmlns:c="http://schemas.openxmlformats.org/drawingml/2006/chart" xmlns:a="http://schemas.openxmlformats.org/drawingml/2006/main" xmlns:r="http://schemas.openxmlformats.org/officeDocument/2006/relationships" xmlns:c16r2="http://schemas.microsoft.com/office/drawing/2015/06/chart">
+  <c:date1904 val="0"/>
+  <c:lang val="en-US"/>
+  <c:roundedCorners val="0"/>
+  <mc:AlternateContent xmlns:mc="http://schemas.openxmlformats.org/markup-compatibility/2006">
+    <mc:Choice xmlns:c14="http://schemas.microsoft.com/office/drawing/2007/8/2/chart" Requires="c14">
+      <c14:style val="102"/>
+    </mc:Choice>
+    <mc:Fallback>
+      <c:style val="2"/>
+    </mc:Fallback>
+  </mc:AlternateContent>
+  <c:chart>
+    <c:autoTitleDeleted val="1"/>
+    <c:plotArea>
+      <c:layout/>
+      <c:barChart>
+        <c:barDir val="bar"/>
+        <c:grouping val="clustered"/>
+        <c:varyColors val="0"/>
+        <c:ser>
+          <c:idx val="0"/>
+          <c:order val="0"/>
+          <c:spPr>
+            <a:solidFill>
+              <a:schemeClr val="accent1"/>
+            </a:solidFill>
+            <a:ln>
+              <a:noFill/>
+            </a:ln>
+            <a:effectLst/>
+          </c:spPr>
+          <c:invertIfNegative val="0"/>
+          <c:cat>
+            <c:strRef>
+              <c:f>Sheet3!$A$1:$A$28</c:f>
+              <c:strCache>
+                <c:ptCount val="28"/>
+                <c:pt idx="0">
+                  <c:v>Arabidopsis Thaliana (arabidopsis)  </c:v>
+                </c:pt>
+                <c:pt idx="1">
+                  <c:v>Oryza Sativa (rice)                 </c:v>
+                </c:pt>
+                <c:pt idx="2">
+                  <c:v>Saccharomyces Cerevisiae (yeast)    </c:v>
+                </c:pt>
+                <c:pt idx="3">
+                  <c:v>Candida Glabrata (haploid yeast)    </c:v>
+                </c:pt>
+                <c:pt idx="4">
+                  <c:v>Caenorhabditis Elegans (worm)       </c:v>
+                </c:pt>
+                <c:pt idx="5">
+                  <c:v>Biomphalaria Glabrata (mollusca)    </c:v>
+                </c:pt>
+                <c:pt idx="6">
+                  <c:v>Ciona Intestinalis (sea squirt)     </c:v>
+                </c:pt>
+                <c:pt idx="7">
+                  <c:v>Drosophila Melanogaster (fly)       </c:v>
+                </c:pt>
+                <c:pt idx="8">
+                  <c:v>Anopheles Gambiae (mosquito)        </c:v>
+                </c:pt>
+                <c:pt idx="9">
+                  <c:v>Apis Mellifera (bee)                </c:v>
+                </c:pt>
+                <c:pt idx="10">
+                  <c:v>Tribolium Castaneum (beetle)        </c:v>
+                </c:pt>
+                <c:pt idx="11">
+                  <c:v>Danio Rerio (zebrafish)             </c:v>
+                </c:pt>
+                <c:pt idx="12">
+                  <c:v>Takifugu Rubripes (fugu)            </c:v>
+                </c:pt>
+                <c:pt idx="13">
+                  <c:v>Tetraodon Nigroviridis (pufferfish) </c:v>
+                </c:pt>
+                <c:pt idx="14">
+                  <c:v>Gasterosteus Aculeatus (stickleback)</c:v>
+                </c:pt>
+                <c:pt idx="15">
+                  <c:v>Oryzias Latipes (Japanese Medaka)   </c:v>
+                </c:pt>
+                <c:pt idx="16">
+                  <c:v>Anolis Carolinensis (lizard)        </c:v>
+                </c:pt>
+                <c:pt idx="17">
+                  <c:v>Xenopus Tropicalis (frog)           </c:v>
+                </c:pt>
+                <c:pt idx="18">
+                  <c:v>Gallus Gallus (chicken)             </c:v>
+                </c:pt>
+                <c:pt idx="19">
+                  <c:v>Ornithorhynchus Anatinus (platypus) </c:v>
+                </c:pt>
+                <c:pt idx="20">
+                  <c:v>Bos Taurus (cow)                    </c:v>
+                </c:pt>
+                <c:pt idx="21">
+                  <c:v>Canis Familiaris (dog)              </c:v>
+                </c:pt>
+                <c:pt idx="22">
+                  <c:v>Rattus Norvegicus (rat)             </c:v>
+                </c:pt>
+                <c:pt idx="23">
+                  <c:v>Macaca Mulatta (rhesus monkey)      </c:v>
+                </c:pt>
+                <c:pt idx="24">
+                  <c:v>Monodelphis Domestica (opossum)     </c:v>
+                </c:pt>
+                <c:pt idx="25">
+                  <c:v>Mus Musculus (mouse)                </c:v>
+                </c:pt>
+                <c:pt idx="26">
+                  <c:v>Pan Troglodytes (chimpanzee)        </c:v>
+                </c:pt>
+                <c:pt idx="27">
+                  <c:v>Homo Sapiens (human)                </c:v>
+                </c:pt>
+              </c:strCache>
+            </c:strRef>
+          </c:cat>
+          <c:val>
+            <c:numRef>
+              <c:f>Sheet3!$B$1:$B$28</c:f>
+              <c:numCache>
+                <c:formatCode>General</c:formatCode>
+                <c:ptCount val="28"/>
+                <c:pt idx="0">
+                  <c:v>2</c:v>
+                </c:pt>
+                <c:pt idx="1">
+                  <c:v>1</c:v>
+                </c:pt>
+                <c:pt idx="2">
+                  <c:v>0</c:v>
+                </c:pt>
+                <c:pt idx="3">
+                  <c:v>3</c:v>
+                </c:pt>
+                <c:pt idx="4">
+                  <c:v>2</c:v>
+                </c:pt>
+                <c:pt idx="5">
+                  <c:v>0</c:v>
+                </c:pt>
+                <c:pt idx="6">
+                  <c:v>4</c:v>
+                </c:pt>
+                <c:pt idx="7">
+                  <c:v>27</c:v>
+                </c:pt>
+                <c:pt idx="8">
+                  <c:v>10</c:v>
+                </c:pt>
+                <c:pt idx="9">
+                  <c:v>9</c:v>
+                </c:pt>
+                <c:pt idx="10">
+                  <c:v>2</c:v>
+                </c:pt>
+                <c:pt idx="11">
+                  <c:v>0</c:v>
+                </c:pt>
+                <c:pt idx="12">
+                  <c:v>4</c:v>
+                </c:pt>
+                <c:pt idx="13">
+                  <c:v>5</c:v>
+                </c:pt>
+                <c:pt idx="14">
+                  <c:v>0</c:v>
+                </c:pt>
+                <c:pt idx="15">
+                  <c:v>1</c:v>
+                </c:pt>
+                <c:pt idx="16">
+                  <c:v>0</c:v>
+                </c:pt>
+                <c:pt idx="17">
+                  <c:v>0</c:v>
+                </c:pt>
+                <c:pt idx="18">
+                  <c:v>0</c:v>
+                </c:pt>
+                <c:pt idx="19">
+                  <c:v>0</c:v>
+                </c:pt>
+                <c:pt idx="20">
+                  <c:v>0</c:v>
+                </c:pt>
+                <c:pt idx="21">
+                  <c:v>6</c:v>
+                </c:pt>
+                <c:pt idx="22">
+                  <c:v>1</c:v>
+                </c:pt>
+                <c:pt idx="23">
+                  <c:v>1</c:v>
+                </c:pt>
+                <c:pt idx="24">
+                  <c:v>0</c:v>
+                </c:pt>
+                <c:pt idx="25">
+                  <c:v>0</c:v>
+                </c:pt>
+                <c:pt idx="26">
+                  <c:v>4</c:v>
+                </c:pt>
+                <c:pt idx="27">
+                  <c:v>2</c:v>
+                </c:pt>
+              </c:numCache>
+            </c:numRef>
+          </c:val>
+          <c:extLst>
+            <c:ext xmlns:c16="http://schemas.microsoft.com/office/drawing/2014/chart" uri="{C3380CC4-5D6E-409C-BE32-E72D297353CC}">
+              <c16:uniqueId val="{00000000-9EE5-4889-B496-649EF5BB2A09}"/>
+            </c:ext>
+          </c:extLst>
+        </c:ser>
+        <c:ser>
+          <c:idx val="1"/>
+          <c:order val="1"/>
+          <c:spPr>
+            <a:solidFill>
+              <a:schemeClr val="accent2"/>
+            </a:solidFill>
+            <a:ln>
+              <a:noFill/>
+            </a:ln>
+            <a:effectLst/>
+          </c:spPr>
+          <c:invertIfNegative val="0"/>
+          <c:cat>
+            <c:strRef>
+              <c:f>Sheet3!$A$1:$A$28</c:f>
+              <c:strCache>
+                <c:ptCount val="28"/>
+                <c:pt idx="0">
+                  <c:v>Arabidopsis Thaliana (arabidopsis)  </c:v>
+                </c:pt>
+                <c:pt idx="1">
+                  <c:v>Oryza Sativa (rice)                 </c:v>
+                </c:pt>
+                <c:pt idx="2">
+                  <c:v>Saccharomyces Cerevisiae (yeast)    </c:v>
+                </c:pt>
+                <c:pt idx="3">
+                  <c:v>Candida Glabrata (haploid yeast)    </c:v>
+                </c:pt>
+                <c:pt idx="4">
+                  <c:v>Caenorhabditis Elegans (worm)       </c:v>
+                </c:pt>
+                <c:pt idx="5">
+                  <c:v>Biomphalaria Glabrata (mollusca)    </c:v>
+                </c:pt>
+                <c:pt idx="6">
+                  <c:v>Ciona Intestinalis (sea squirt)     </c:v>
+                </c:pt>
+                <c:pt idx="7">
+                  <c:v>Drosophila Melanogaster (fly)       </c:v>
+                </c:pt>
+                <c:pt idx="8">
+                  <c:v>Anopheles Gambiae (mosquito)        </c:v>
+                </c:pt>
+                <c:pt idx="9">
+                  <c:v>Apis Mellifera (bee)                </c:v>
+                </c:pt>
+                <c:pt idx="10">
+                  <c:v>Tribolium Castaneum (beetle)        </c:v>
+                </c:pt>
+                <c:pt idx="11">
+                  <c:v>Danio Rerio (zebrafish)             </c:v>
+                </c:pt>
+                <c:pt idx="12">
+                  <c:v>Takifugu Rubripes (fugu)            </c:v>
+                </c:pt>
+                <c:pt idx="13">
+                  <c:v>Tetraodon Nigroviridis (pufferfish) </c:v>
+                </c:pt>
+                <c:pt idx="14">
+                  <c:v>Gasterosteus Aculeatus (stickleback)</c:v>
+                </c:pt>
+                <c:pt idx="15">
+                  <c:v>Oryzias Latipes (Japanese Medaka)   </c:v>
+                </c:pt>
+                <c:pt idx="16">
+                  <c:v>Anolis Carolinensis (lizard)        </c:v>
+                </c:pt>
+                <c:pt idx="17">
+                  <c:v>Xenopus Tropicalis (frog)           </c:v>
+                </c:pt>
+                <c:pt idx="18">
+                  <c:v>Gallus Gallus (chicken)             </c:v>
+                </c:pt>
+                <c:pt idx="19">
+                  <c:v>Ornithorhynchus Anatinus (platypus) </c:v>
+                </c:pt>
+                <c:pt idx="20">
+                  <c:v>Bos Taurus (cow)                    </c:v>
+                </c:pt>
+                <c:pt idx="21">
+                  <c:v>Canis Familiaris (dog)              </c:v>
+                </c:pt>
+                <c:pt idx="22">
+                  <c:v>Rattus Norvegicus (rat)             </c:v>
+                </c:pt>
+                <c:pt idx="23">
+                  <c:v>Macaca Mulatta (rhesus monkey)      </c:v>
+                </c:pt>
+                <c:pt idx="24">
+                  <c:v>Monodelphis Domestica (opossum)     </c:v>
+                </c:pt>
+                <c:pt idx="25">
+                  <c:v>Mus Musculus (mouse)                </c:v>
+                </c:pt>
+                <c:pt idx="26">
+                  <c:v>Pan Troglodytes (chimpanzee)        </c:v>
+                </c:pt>
+                <c:pt idx="27">
+                  <c:v>Homo Sapiens (human)                </c:v>
+                </c:pt>
+              </c:strCache>
+            </c:strRef>
+          </c:cat>
+          <c:val>
+            <c:numRef>
+              <c:f>Sheet3!$C$1:$C$28</c:f>
+              <c:numCache>
+                <c:formatCode>General</c:formatCode>
+                <c:ptCount val="28"/>
+                <c:pt idx="0">
+                  <c:v>12</c:v>
+                </c:pt>
+                <c:pt idx="1">
+                  <c:v>21</c:v>
+                </c:pt>
+                <c:pt idx="2">
+                  <c:v>31</c:v>
+                </c:pt>
+                <c:pt idx="3">
+                  <c:v>11</c:v>
+                </c:pt>
+                <c:pt idx="4">
+                  <c:v>17</c:v>
+                </c:pt>
+                <c:pt idx="5">
+                  <c:v>22</c:v>
+                </c:pt>
+                <c:pt idx="6">
+                  <c:v>17</c:v>
+                </c:pt>
+                <c:pt idx="7">
+                  <c:v>40</c:v>
+                </c:pt>
+                <c:pt idx="8">
+                  <c:v>39</c:v>
+                </c:pt>
+                <c:pt idx="9">
+                  <c:v>39</c:v>
+                </c:pt>
+                <c:pt idx="10">
+                  <c:v>8</c:v>
+                </c:pt>
+                <c:pt idx="11">
+                  <c:v>24</c:v>
+                </c:pt>
+                <c:pt idx="12">
+                  <c:v>28</c:v>
+                </c:pt>
+                <c:pt idx="13">
+                  <c:v>17</c:v>
+                </c:pt>
+                <c:pt idx="14">
+                  <c:v>16</c:v>
+                </c:pt>
+                <c:pt idx="15">
+                  <c:v>8</c:v>
+                </c:pt>
+                <c:pt idx="16">
+                  <c:v>37</c:v>
+                </c:pt>
+                <c:pt idx="17">
+                  <c:v>7</c:v>
+                </c:pt>
+                <c:pt idx="18">
+                  <c:v>32</c:v>
+                </c:pt>
+                <c:pt idx="19">
+                  <c:v>28</c:v>
+                </c:pt>
+                <c:pt idx="20">
+                  <c:v>30</c:v>
+                </c:pt>
+                <c:pt idx="21">
+                  <c:v>37</c:v>
+                </c:pt>
+                <c:pt idx="22">
+                  <c:v>32</c:v>
+                </c:pt>
+                <c:pt idx="23">
+                  <c:v>32</c:v>
+                </c:pt>
+                <c:pt idx="24">
+                  <c:v>39</c:v>
+                </c:pt>
+                <c:pt idx="25">
+                  <c:v>37</c:v>
+                </c:pt>
+                <c:pt idx="26">
+                  <c:v>34</c:v>
+                </c:pt>
+                <c:pt idx="27">
+                  <c:v>36</c:v>
+                </c:pt>
+              </c:numCache>
+            </c:numRef>
+          </c:val>
+          <c:extLst>
+            <c:ext xmlns:c16="http://schemas.microsoft.com/office/drawing/2014/chart" uri="{C3380CC4-5D6E-409C-BE32-E72D297353CC}">
+              <c16:uniqueId val="{00000001-9EE5-4889-B496-649EF5BB2A09}"/>
+            </c:ext>
+          </c:extLst>
+        </c:ser>
+        <c:dLbls>
+          <c:showLegendKey val="0"/>
+          <c:showVal val="0"/>
+          <c:showCatName val="0"/>
+          <c:showSerName val="0"/>
+          <c:showPercent val="0"/>
+          <c:showBubbleSize val="0"/>
+        </c:dLbls>
+        <c:gapWidth val="182"/>
+        <c:axId val="492868352"/>
+        <c:axId val="492868680"/>
+      </c:barChart>
+      <c:catAx>
+        <c:axId val="492868352"/>
+        <c:scaling>
+          <c:orientation val="minMax"/>
+        </c:scaling>
+        <c:delete val="0"/>
+        <c:axPos val="l"/>
+        <c:numFmt formatCode="General" sourceLinked="1"/>
+        <c:majorTickMark val="none"/>
+        <c:minorTickMark val="none"/>
+        <c:tickLblPos val="nextTo"/>
+        <c:spPr>
+          <a:noFill/>
+          <a:ln w="9525" cap="flat" cmpd="sng" algn="ctr">
+            <a:solidFill>
+              <a:schemeClr val="tx1">
+                <a:lumMod val="15000"/>
+                <a:lumOff val="85000"/>
+              </a:schemeClr>
+            </a:solidFill>
+            <a:round/>
+          </a:ln>
+          <a:effectLst/>
+        </c:spPr>
+        <c:txPr>
+          <a:bodyPr rot="-60000000" spcFirstLastPara="1" vertOverflow="ellipsis" vert="horz" wrap="square" anchor="ctr" anchorCtr="1"/>
+          <a:lstStyle/>
+          <a:p>
+            <a:pPr>
+              <a:defRPr sz="1300" b="0" i="0" u="none" strike="noStrike" kern="1200" baseline="0">
+                <a:solidFill>
+                  <a:schemeClr val="tx1">
+                    <a:lumMod val="65000"/>
+                    <a:lumOff val="35000"/>
+                  </a:schemeClr>
+                </a:solidFill>
+                <a:latin typeface="Times New Roman" panose="02020603050405020304" pitchFamily="18" charset="0"/>
+                <a:ea typeface="+mn-ea"/>
+                <a:cs typeface="Times New Roman" panose="02020603050405020304" pitchFamily="18" charset="0"/>
+              </a:defRPr>
+            </a:pPr>
+            <a:endParaRPr lang="ro-RO"/>
+          </a:p>
+        </c:txPr>
+        <c:crossAx val="492868680"/>
+        <c:crosses val="autoZero"/>
+        <c:auto val="1"/>
+        <c:lblAlgn val="ctr"/>
+        <c:lblOffset val="100"/>
+        <c:noMultiLvlLbl val="0"/>
+      </c:catAx>
+      <c:valAx>
+        <c:axId val="492868680"/>
+        <c:scaling>
+          <c:orientation val="minMax"/>
+        </c:scaling>
+        <c:delete val="0"/>
+        <c:axPos val="b"/>
+        <c:majorGridlines>
+          <c:spPr>
+            <a:ln w="9525" cap="flat" cmpd="sng" algn="ctr">
+              <a:solidFill>
+                <a:schemeClr val="tx1">
+                  <a:lumMod val="15000"/>
+                  <a:lumOff val="85000"/>
+                </a:schemeClr>
+              </a:solidFill>
+              <a:round/>
+            </a:ln>
+            <a:effectLst/>
+          </c:spPr>
+        </c:majorGridlines>
+        <c:numFmt formatCode="General" sourceLinked="1"/>
+        <c:majorTickMark val="none"/>
+        <c:minorTickMark val="none"/>
+        <c:tickLblPos val="nextTo"/>
+        <c:spPr>
+          <a:noFill/>
+          <a:ln>
+            <a:noFill/>
+          </a:ln>
+          <a:effectLst/>
+        </c:spPr>
+        <c:txPr>
+          <a:bodyPr rot="-60000000" spcFirstLastPara="1" vertOverflow="ellipsis" vert="horz" wrap="square" anchor="ctr" anchorCtr="1"/>
+          <a:lstStyle/>
+          <a:p>
+            <a:pPr>
+              <a:defRPr sz="900" b="0" i="0" u="none" strike="noStrike" kern="1200" baseline="0">
+                <a:solidFill>
+                  <a:schemeClr val="tx1">
+                    <a:lumMod val="65000"/>
+                    <a:lumOff val="35000"/>
+                  </a:schemeClr>
+                </a:solidFill>
+                <a:latin typeface="+mn-lt"/>
+                <a:ea typeface="+mn-ea"/>
+                <a:cs typeface="+mn-cs"/>
+              </a:defRPr>
+            </a:pPr>
+            <a:endParaRPr lang="ro-RO"/>
+          </a:p>
+        </c:txPr>
+        <c:crossAx val="492868352"/>
         <c:crosses val="autoZero"/>
         <c:crossBetween val="between"/>
       </c:valAx>
@@ -2119,6 +2708,46 @@
 </cs:colorStyle>
 </file>
 
+<file path=ppt/charts/colors5.xml><?xml version="1.0" encoding="utf-8"?>
+<cs:colorStyle xmlns:cs="http://schemas.microsoft.com/office/drawing/2012/chartStyle" xmlns:a="http://schemas.openxmlformats.org/drawingml/2006/main" meth="cycle" id="10">
+  <a:schemeClr val="accent1"/>
+  <a:schemeClr val="accent2"/>
+  <a:schemeClr val="accent3"/>
+  <a:schemeClr val="accent4"/>
+  <a:schemeClr val="accent5"/>
+  <a:schemeClr val="accent6"/>
+  <cs:variation/>
+  <cs:variation>
+    <a:lumMod val="60000"/>
+  </cs:variation>
+  <cs:variation>
+    <a:lumMod val="80000"/>
+    <a:lumOff val="20000"/>
+  </cs:variation>
+  <cs:variation>
+    <a:lumMod val="80000"/>
+  </cs:variation>
+  <cs:variation>
+    <a:lumMod val="60000"/>
+    <a:lumOff val="40000"/>
+  </cs:variation>
+  <cs:variation>
+    <a:lumMod val="50000"/>
+  </cs:variation>
+  <cs:variation>
+    <a:lumMod val="70000"/>
+    <a:lumOff val="30000"/>
+  </cs:variation>
+  <cs:variation>
+    <a:lumMod val="70000"/>
+  </cs:variation>
+  <cs:variation>
+    <a:lumMod val="50000"/>
+    <a:lumOff val="50000"/>
+  </cs:variation>
+</cs:colorStyle>
+</file>
+
 <file path=ppt/charts/style1.xml><?xml version="1.0" encoding="utf-8"?>
 <cs:chartStyle xmlns:cs="http://schemas.microsoft.com/office/drawing/2012/chartStyle" xmlns:a="http://schemas.openxmlformats.org/drawingml/2006/main" id="201">
   <cs:axisTitle>
@@ -3629,6 +4258,511 @@
 </file>
 
 <file path=ppt/charts/style4.xml><?xml version="1.0" encoding="utf-8"?>
+<cs:chartStyle xmlns:cs="http://schemas.microsoft.com/office/drawing/2012/chartStyle" xmlns:a="http://schemas.openxmlformats.org/drawingml/2006/main" id="216">
+  <cs:axisTitle>
+    <cs:lnRef idx="0"/>
+    <cs:fillRef idx="0"/>
+    <cs:effectRef idx="0"/>
+    <cs:fontRef idx="minor">
+      <a:schemeClr val="tx1">
+        <a:lumMod val="65000"/>
+        <a:lumOff val="35000"/>
+      </a:schemeClr>
+    </cs:fontRef>
+    <cs:defRPr sz="1000" kern="1200"/>
+  </cs:axisTitle>
+  <cs:categoryAxis>
+    <cs:lnRef idx="0"/>
+    <cs:fillRef idx="0"/>
+    <cs:effectRef idx="0"/>
+    <cs:fontRef idx="minor">
+      <a:schemeClr val="tx1">
+        <a:lumMod val="65000"/>
+        <a:lumOff val="35000"/>
+      </a:schemeClr>
+    </cs:fontRef>
+    <cs:spPr>
+      <a:ln w="9525" cap="flat" cmpd="sng" algn="ctr">
+        <a:solidFill>
+          <a:schemeClr val="tx1">
+            <a:lumMod val="15000"/>
+            <a:lumOff val="85000"/>
+          </a:schemeClr>
+        </a:solidFill>
+        <a:round/>
+      </a:ln>
+    </cs:spPr>
+    <cs:defRPr sz="900" kern="1200"/>
+  </cs:categoryAxis>
+  <cs:chartArea mods="allowNoFillOverride allowNoLineOverride">
+    <cs:lnRef idx="0"/>
+    <cs:fillRef idx="0"/>
+    <cs:effectRef idx="0"/>
+    <cs:fontRef idx="minor">
+      <a:schemeClr val="tx1"/>
+    </cs:fontRef>
+    <cs:spPr>
+      <a:solidFill>
+        <a:schemeClr val="bg1"/>
+      </a:solidFill>
+      <a:ln w="9525" cap="flat" cmpd="sng" algn="ctr">
+        <a:solidFill>
+          <a:schemeClr val="tx1">
+            <a:lumMod val="15000"/>
+            <a:lumOff val="85000"/>
+          </a:schemeClr>
+        </a:solidFill>
+        <a:round/>
+      </a:ln>
+    </cs:spPr>
+    <cs:defRPr sz="1000" kern="1200"/>
+  </cs:chartArea>
+  <cs:dataLabel>
+    <cs:lnRef idx="0"/>
+    <cs:fillRef idx="0"/>
+    <cs:effectRef idx="0"/>
+    <cs:fontRef idx="minor">
+      <a:schemeClr val="tx1">
+        <a:lumMod val="75000"/>
+        <a:lumOff val="25000"/>
+      </a:schemeClr>
+    </cs:fontRef>
+    <cs:defRPr sz="900" kern="1200"/>
+  </cs:dataLabel>
+  <cs:dataLabelCallout>
+    <cs:lnRef idx="0"/>
+    <cs:fillRef idx="0"/>
+    <cs:effectRef idx="0"/>
+    <cs:fontRef idx="minor">
+      <a:schemeClr val="dk1">
+        <a:lumMod val="65000"/>
+        <a:lumOff val="35000"/>
+      </a:schemeClr>
+    </cs:fontRef>
+    <cs:spPr>
+      <a:solidFill>
+        <a:schemeClr val="lt1"/>
+      </a:solidFill>
+      <a:ln>
+        <a:solidFill>
+          <a:schemeClr val="dk1">
+            <a:lumMod val="25000"/>
+            <a:lumOff val="75000"/>
+          </a:schemeClr>
+        </a:solidFill>
+      </a:ln>
+    </cs:spPr>
+    <cs:defRPr sz="900" kern="1200"/>
+    <cs:bodyPr rot="0" spcFirstLastPara="1" vertOverflow="clip" horzOverflow="clip" vert="horz" wrap="square" lIns="36576" tIns="18288" rIns="36576" bIns="18288" anchor="ctr" anchorCtr="1">
+      <a:spAutoFit/>
+    </cs:bodyPr>
+  </cs:dataLabelCallout>
+  <cs:dataPoint>
+    <cs:lnRef idx="0"/>
+    <cs:fillRef idx="1">
+      <cs:styleClr val="auto"/>
+    </cs:fillRef>
+    <cs:effectRef idx="0"/>
+    <cs:fontRef idx="minor">
+      <a:schemeClr val="tx1"/>
+    </cs:fontRef>
+  </cs:dataPoint>
+  <cs:dataPoint3D>
+    <cs:lnRef idx="0"/>
+    <cs:fillRef idx="1">
+      <cs:styleClr val="auto"/>
+    </cs:fillRef>
+    <cs:effectRef idx="0"/>
+    <cs:fontRef idx="minor">
+      <a:schemeClr val="tx1"/>
+    </cs:fontRef>
+  </cs:dataPoint3D>
+  <cs:dataPointLine>
+    <cs:lnRef idx="0">
+      <cs:styleClr val="auto"/>
+    </cs:lnRef>
+    <cs:fillRef idx="1"/>
+    <cs:effectRef idx="0"/>
+    <cs:fontRef idx="minor">
+      <a:schemeClr val="tx1"/>
+    </cs:fontRef>
+    <cs:spPr>
+      <a:ln w="28575" cap="rnd">
+        <a:solidFill>
+          <a:schemeClr val="phClr"/>
+        </a:solidFill>
+        <a:round/>
+      </a:ln>
+    </cs:spPr>
+  </cs:dataPointLine>
+  <cs:dataPointMarker>
+    <cs:lnRef idx="0">
+      <cs:styleClr val="auto"/>
+    </cs:lnRef>
+    <cs:fillRef idx="1">
+      <cs:styleClr val="auto"/>
+    </cs:fillRef>
+    <cs:effectRef idx="0"/>
+    <cs:fontRef idx="minor">
+      <a:schemeClr val="tx1"/>
+    </cs:fontRef>
+    <cs:spPr>
+      <a:ln w="9525">
+        <a:solidFill>
+          <a:schemeClr val="phClr"/>
+        </a:solidFill>
+      </a:ln>
+    </cs:spPr>
+  </cs:dataPointMarker>
+  <cs:dataPointMarkerLayout symbol="circle" size="5"/>
+  <cs:dataPointWireframe>
+    <cs:lnRef idx="0">
+      <cs:styleClr val="auto"/>
+    </cs:lnRef>
+    <cs:fillRef idx="1"/>
+    <cs:effectRef idx="0"/>
+    <cs:fontRef idx="minor">
+      <a:schemeClr val="tx1"/>
+    </cs:fontRef>
+    <cs:spPr>
+      <a:ln w="9525" cap="rnd">
+        <a:solidFill>
+          <a:schemeClr val="phClr"/>
+        </a:solidFill>
+        <a:round/>
+      </a:ln>
+    </cs:spPr>
+  </cs:dataPointWireframe>
+  <cs:dataTable>
+    <cs:lnRef idx="0"/>
+    <cs:fillRef idx="0"/>
+    <cs:effectRef idx="0"/>
+    <cs:fontRef idx="minor">
+      <a:schemeClr val="tx1">
+        <a:lumMod val="65000"/>
+        <a:lumOff val="35000"/>
+      </a:schemeClr>
+    </cs:fontRef>
+    <cs:spPr>
+      <a:noFill/>
+      <a:ln w="9525" cap="flat" cmpd="sng" algn="ctr">
+        <a:solidFill>
+          <a:schemeClr val="tx1">
+            <a:lumMod val="15000"/>
+            <a:lumOff val="85000"/>
+          </a:schemeClr>
+        </a:solidFill>
+        <a:round/>
+      </a:ln>
+    </cs:spPr>
+    <cs:defRPr sz="900" kern="1200"/>
+  </cs:dataTable>
+  <cs:downBar>
+    <cs:lnRef idx="0"/>
+    <cs:fillRef idx="0"/>
+    <cs:effectRef idx="0"/>
+    <cs:fontRef idx="minor">
+      <a:schemeClr val="tx1"/>
+    </cs:fontRef>
+    <cs:spPr>
+      <a:solidFill>
+        <a:schemeClr val="dk1">
+          <a:lumMod val="75000"/>
+          <a:lumOff val="25000"/>
+        </a:schemeClr>
+      </a:solidFill>
+      <a:ln w="9525" cap="flat" cmpd="sng" algn="ctr">
+        <a:solidFill>
+          <a:schemeClr val="tx1">
+            <a:lumMod val="65000"/>
+            <a:lumOff val="35000"/>
+          </a:schemeClr>
+        </a:solidFill>
+        <a:round/>
+      </a:ln>
+    </cs:spPr>
+  </cs:downBar>
+  <cs:dropLine>
+    <cs:lnRef idx="0"/>
+    <cs:fillRef idx="0"/>
+    <cs:effectRef idx="0"/>
+    <cs:fontRef idx="minor">
+      <a:schemeClr val="tx1"/>
+    </cs:fontRef>
+    <cs:spPr>
+      <a:ln w="9525" cap="flat" cmpd="sng" algn="ctr">
+        <a:solidFill>
+          <a:schemeClr val="tx1">
+            <a:lumMod val="35000"/>
+            <a:lumOff val="65000"/>
+          </a:schemeClr>
+        </a:solidFill>
+        <a:round/>
+      </a:ln>
+    </cs:spPr>
+  </cs:dropLine>
+  <cs:errorBar>
+    <cs:lnRef idx="0"/>
+    <cs:fillRef idx="0"/>
+    <cs:effectRef idx="0"/>
+    <cs:fontRef idx="minor">
+      <a:schemeClr val="tx1"/>
+    </cs:fontRef>
+    <cs:spPr>
+      <a:ln w="9525" cap="flat" cmpd="sng" algn="ctr">
+        <a:solidFill>
+          <a:schemeClr val="tx1">
+            <a:lumMod val="65000"/>
+            <a:lumOff val="35000"/>
+          </a:schemeClr>
+        </a:solidFill>
+        <a:round/>
+      </a:ln>
+    </cs:spPr>
+  </cs:errorBar>
+  <cs:floor>
+    <cs:lnRef idx="0"/>
+    <cs:fillRef idx="0"/>
+    <cs:effectRef idx="0"/>
+    <cs:fontRef idx="minor">
+      <a:schemeClr val="tx1"/>
+    </cs:fontRef>
+    <cs:spPr>
+      <a:noFill/>
+      <a:ln>
+        <a:noFill/>
+      </a:ln>
+    </cs:spPr>
+  </cs:floor>
+  <cs:gridlineMajor>
+    <cs:lnRef idx="0"/>
+    <cs:fillRef idx="0"/>
+    <cs:effectRef idx="0"/>
+    <cs:fontRef idx="minor">
+      <a:schemeClr val="tx1"/>
+    </cs:fontRef>
+    <cs:spPr>
+      <a:ln w="9525" cap="flat" cmpd="sng" algn="ctr">
+        <a:solidFill>
+          <a:schemeClr val="tx1">
+            <a:lumMod val="15000"/>
+            <a:lumOff val="85000"/>
+          </a:schemeClr>
+        </a:solidFill>
+        <a:round/>
+      </a:ln>
+    </cs:spPr>
+  </cs:gridlineMajor>
+  <cs:gridlineMinor>
+    <cs:lnRef idx="0"/>
+    <cs:fillRef idx="0"/>
+    <cs:effectRef idx="0"/>
+    <cs:fontRef idx="minor">
+      <a:schemeClr val="tx1"/>
+    </cs:fontRef>
+    <cs:spPr>
+      <a:ln w="9525" cap="flat" cmpd="sng" algn="ctr">
+        <a:solidFill>
+          <a:schemeClr val="tx1">
+            <a:lumMod val="5000"/>
+            <a:lumOff val="95000"/>
+          </a:schemeClr>
+        </a:solidFill>
+        <a:round/>
+      </a:ln>
+    </cs:spPr>
+  </cs:gridlineMinor>
+  <cs:hiLoLine>
+    <cs:lnRef idx="0"/>
+    <cs:fillRef idx="0"/>
+    <cs:effectRef idx="0"/>
+    <cs:fontRef idx="minor">
+      <a:schemeClr val="tx1"/>
+    </cs:fontRef>
+    <cs:spPr>
+      <a:ln w="9525" cap="flat" cmpd="sng" algn="ctr">
+        <a:solidFill>
+          <a:schemeClr val="tx1">
+            <a:lumMod val="50000"/>
+            <a:lumOff val="50000"/>
+          </a:schemeClr>
+        </a:solidFill>
+        <a:round/>
+      </a:ln>
+    </cs:spPr>
+  </cs:hiLoLine>
+  <cs:leaderLine>
+    <cs:lnRef idx="0"/>
+    <cs:fillRef idx="0"/>
+    <cs:effectRef idx="0"/>
+    <cs:fontRef idx="minor">
+      <a:schemeClr val="tx1"/>
+    </cs:fontRef>
+    <cs:spPr>
+      <a:ln w="9525" cap="flat" cmpd="sng" algn="ctr">
+        <a:solidFill>
+          <a:schemeClr val="tx1">
+            <a:lumMod val="35000"/>
+            <a:lumOff val="65000"/>
+          </a:schemeClr>
+        </a:solidFill>
+        <a:round/>
+      </a:ln>
+    </cs:spPr>
+  </cs:leaderLine>
+  <cs:legend>
+    <cs:lnRef idx="0"/>
+    <cs:fillRef idx="0"/>
+    <cs:effectRef idx="0"/>
+    <cs:fontRef idx="minor">
+      <a:schemeClr val="tx1">
+        <a:lumMod val="65000"/>
+        <a:lumOff val="35000"/>
+      </a:schemeClr>
+    </cs:fontRef>
+    <cs:defRPr sz="900" kern="1200"/>
+  </cs:legend>
+  <cs:plotArea mods="allowNoFillOverride allowNoLineOverride">
+    <cs:lnRef idx="0"/>
+    <cs:fillRef idx="0"/>
+    <cs:effectRef idx="0"/>
+    <cs:fontRef idx="minor">
+      <a:schemeClr val="tx1"/>
+    </cs:fontRef>
+  </cs:plotArea>
+  <cs:plotArea3D mods="allowNoFillOverride allowNoLineOverride">
+    <cs:lnRef idx="0"/>
+    <cs:fillRef idx="0"/>
+    <cs:effectRef idx="0"/>
+    <cs:fontRef idx="minor">
+      <a:schemeClr val="tx1"/>
+    </cs:fontRef>
+  </cs:plotArea3D>
+  <cs:seriesAxis>
+    <cs:lnRef idx="0"/>
+    <cs:fillRef idx="0"/>
+    <cs:effectRef idx="0"/>
+    <cs:fontRef idx="minor">
+      <a:schemeClr val="tx1">
+        <a:lumMod val="65000"/>
+        <a:lumOff val="35000"/>
+      </a:schemeClr>
+    </cs:fontRef>
+    <cs:defRPr sz="900" kern="1200"/>
+  </cs:seriesAxis>
+  <cs:seriesLine>
+    <cs:lnRef idx="0"/>
+    <cs:fillRef idx="0"/>
+    <cs:effectRef idx="0"/>
+    <cs:fontRef idx="minor">
+      <a:schemeClr val="tx1"/>
+    </cs:fontRef>
+    <cs:spPr>
+      <a:ln w="9525" cap="flat" cmpd="sng" algn="ctr">
+        <a:solidFill>
+          <a:schemeClr val="tx1">
+            <a:lumMod val="35000"/>
+            <a:lumOff val="65000"/>
+          </a:schemeClr>
+        </a:solidFill>
+        <a:round/>
+      </a:ln>
+    </cs:spPr>
+  </cs:seriesLine>
+  <cs:title>
+    <cs:lnRef idx="0"/>
+    <cs:fillRef idx="0"/>
+    <cs:effectRef idx="0"/>
+    <cs:fontRef idx="minor">
+      <a:schemeClr val="tx1">
+        <a:lumMod val="65000"/>
+        <a:lumOff val="35000"/>
+      </a:schemeClr>
+    </cs:fontRef>
+    <cs:defRPr sz="1400" b="0" kern="1200" spc="0" baseline="0"/>
+  </cs:title>
+  <cs:trendline>
+    <cs:lnRef idx="0">
+      <cs:styleClr val="auto"/>
+    </cs:lnRef>
+    <cs:fillRef idx="0"/>
+    <cs:effectRef idx="0"/>
+    <cs:fontRef idx="minor">
+      <a:schemeClr val="tx1"/>
+    </cs:fontRef>
+    <cs:spPr>
+      <a:ln w="19050" cap="rnd">
+        <a:solidFill>
+          <a:schemeClr val="phClr"/>
+        </a:solidFill>
+        <a:prstDash val="sysDot"/>
+      </a:ln>
+    </cs:spPr>
+  </cs:trendline>
+  <cs:trendlineLabel>
+    <cs:lnRef idx="0"/>
+    <cs:fillRef idx="0"/>
+    <cs:effectRef idx="0"/>
+    <cs:fontRef idx="minor">
+      <a:schemeClr val="tx1">
+        <a:lumMod val="65000"/>
+        <a:lumOff val="35000"/>
+      </a:schemeClr>
+    </cs:fontRef>
+    <cs:defRPr sz="900" kern="1200"/>
+  </cs:trendlineLabel>
+  <cs:upBar>
+    <cs:lnRef idx="0"/>
+    <cs:fillRef idx="0"/>
+    <cs:effectRef idx="0"/>
+    <cs:fontRef idx="minor">
+      <a:schemeClr val="tx1"/>
+    </cs:fontRef>
+    <cs:spPr>
+      <a:solidFill>
+        <a:schemeClr val="lt1"/>
+      </a:solidFill>
+      <a:ln w="9525" cap="flat" cmpd="sng" algn="ctr">
+        <a:solidFill>
+          <a:schemeClr val="tx1">
+            <a:lumMod val="65000"/>
+            <a:lumOff val="35000"/>
+          </a:schemeClr>
+        </a:solidFill>
+        <a:round/>
+      </a:ln>
+    </cs:spPr>
+  </cs:upBar>
+  <cs:valueAxis>
+    <cs:lnRef idx="0"/>
+    <cs:fillRef idx="0"/>
+    <cs:effectRef idx="0"/>
+    <cs:fontRef idx="minor">
+      <a:schemeClr val="tx1">
+        <a:lumMod val="65000"/>
+        <a:lumOff val="35000"/>
+      </a:schemeClr>
+    </cs:fontRef>
+    <cs:defRPr sz="900" kern="1200"/>
+  </cs:valueAxis>
+  <cs:wall>
+    <cs:lnRef idx="0"/>
+    <cs:fillRef idx="0"/>
+    <cs:effectRef idx="0"/>
+    <cs:fontRef idx="minor">
+      <a:schemeClr val="tx1"/>
+    </cs:fontRef>
+    <cs:spPr>
+      <a:noFill/>
+      <a:ln>
+        <a:noFill/>
+      </a:ln>
+    </cs:spPr>
+  </cs:wall>
+</cs:chartStyle>
+</file>
+
+<file path=ppt/charts/style5.xml><?xml version="1.0" encoding="utf-8"?>
 <cs:chartStyle xmlns:cs="http://schemas.microsoft.com/office/drawing/2012/chartStyle" xmlns:a="http://schemas.openxmlformats.org/drawingml/2006/main" id="216">
   <cs:axisTitle>
     <cs:lnRef idx="0"/>
@@ -4282,7 +5416,7 @@
           <a:p>
             <a:fld id="{2779FCBA-FA75-4558-986E-2E723A776B27}" type="datetimeFigureOut">
               <a:rPr lang="ro-RO" smtClean="0"/>
-              <a:t>29.06.2018</a:t>
+              <a:t>30.06.2018</a:t>
             </a:fld>
             <a:endParaRPr lang="ro-RO"/>
           </a:p>
@@ -4482,7 +5616,7 @@
           <a:p>
             <a:fld id="{2779FCBA-FA75-4558-986E-2E723A776B27}" type="datetimeFigureOut">
               <a:rPr lang="ro-RO" smtClean="0"/>
-              <a:t>29.06.2018</a:t>
+              <a:t>30.06.2018</a:t>
             </a:fld>
             <a:endParaRPr lang="ro-RO"/>
           </a:p>
@@ -4692,7 +5826,7 @@
           <a:p>
             <a:fld id="{2779FCBA-FA75-4558-986E-2E723A776B27}" type="datetimeFigureOut">
               <a:rPr lang="ro-RO" smtClean="0"/>
-              <a:t>29.06.2018</a:t>
+              <a:t>30.06.2018</a:t>
             </a:fld>
             <a:endParaRPr lang="ro-RO"/>
           </a:p>
@@ -4892,7 +6026,7 @@
           <a:p>
             <a:fld id="{2779FCBA-FA75-4558-986E-2E723A776B27}" type="datetimeFigureOut">
               <a:rPr lang="ro-RO" smtClean="0"/>
-              <a:t>29.06.2018</a:t>
+              <a:t>30.06.2018</a:t>
             </a:fld>
             <a:endParaRPr lang="ro-RO"/>
           </a:p>
@@ -5168,7 +6302,7 @@
           <a:p>
             <a:fld id="{2779FCBA-FA75-4558-986E-2E723A776B27}" type="datetimeFigureOut">
               <a:rPr lang="ro-RO" smtClean="0"/>
-              <a:t>29.06.2018</a:t>
+              <a:t>30.06.2018</a:t>
             </a:fld>
             <a:endParaRPr lang="ro-RO"/>
           </a:p>
@@ -5436,7 +6570,7 @@
           <a:p>
             <a:fld id="{2779FCBA-FA75-4558-986E-2E723A776B27}" type="datetimeFigureOut">
               <a:rPr lang="ro-RO" smtClean="0"/>
-              <a:t>29.06.2018</a:t>
+              <a:t>30.06.2018</a:t>
             </a:fld>
             <a:endParaRPr lang="ro-RO"/>
           </a:p>
@@ -5851,7 +6985,7 @@
           <a:p>
             <a:fld id="{2779FCBA-FA75-4558-986E-2E723A776B27}" type="datetimeFigureOut">
               <a:rPr lang="ro-RO" smtClean="0"/>
-              <a:t>29.06.2018</a:t>
+              <a:t>30.06.2018</a:t>
             </a:fld>
             <a:endParaRPr lang="ro-RO"/>
           </a:p>
@@ -5993,7 +7127,7 @@
           <a:p>
             <a:fld id="{2779FCBA-FA75-4558-986E-2E723A776B27}" type="datetimeFigureOut">
               <a:rPr lang="ro-RO" smtClean="0"/>
-              <a:t>29.06.2018</a:t>
+              <a:t>30.06.2018</a:t>
             </a:fld>
             <a:endParaRPr lang="ro-RO"/>
           </a:p>
@@ -6106,7 +7240,7 @@
           <a:p>
             <a:fld id="{2779FCBA-FA75-4558-986E-2E723A776B27}" type="datetimeFigureOut">
               <a:rPr lang="ro-RO" smtClean="0"/>
-              <a:t>29.06.2018</a:t>
+              <a:t>30.06.2018</a:t>
             </a:fld>
             <a:endParaRPr lang="ro-RO"/>
           </a:p>
@@ -6419,7 +7553,7 @@
           <a:p>
             <a:fld id="{2779FCBA-FA75-4558-986E-2E723A776B27}" type="datetimeFigureOut">
               <a:rPr lang="ro-RO" smtClean="0"/>
-              <a:t>29.06.2018</a:t>
+              <a:t>30.06.2018</a:t>
             </a:fld>
             <a:endParaRPr lang="ro-RO"/>
           </a:p>
@@ -6708,7 +7842,7 @@
           <a:p>
             <a:fld id="{2779FCBA-FA75-4558-986E-2E723A776B27}" type="datetimeFigureOut">
               <a:rPr lang="ro-RO" smtClean="0"/>
-              <a:t>29.06.2018</a:t>
+              <a:t>30.06.2018</a:t>
             </a:fld>
             <a:endParaRPr lang="ro-RO"/>
           </a:p>
@@ -6951,7 +8085,7 @@
           <a:p>
             <a:fld id="{2779FCBA-FA75-4558-986E-2E723A776B27}" type="datetimeFigureOut">
               <a:rPr lang="ro-RO" smtClean="0"/>
-              <a:t>29.06.2018</a:t>
+              <a:t>30.06.2018</a:t>
             </a:fld>
             <a:endParaRPr lang="ro-RO"/>
           </a:p>
@@ -7591,6 +8725,141 @@
 </p:sld>
 </file>
 
+<file path=ppt/slides/slide5.xml><?xml version="1.0" encoding="utf-8"?>
+<p:sld xmlns:a="http://schemas.openxmlformats.org/drawingml/2006/main" xmlns:r="http://schemas.openxmlformats.org/officeDocument/2006/relationships" xmlns:p="http://schemas.openxmlformats.org/presentationml/2006/main">
+  <p:cSld>
+    <p:spTree>
+      <p:nvGrpSpPr>
+        <p:cNvPr id="1" name=""/>
+        <p:cNvGrpSpPr/>
+        <p:nvPr/>
+      </p:nvGrpSpPr>
+      <p:grpSpPr>
+        <a:xfrm>
+          <a:off x="0" y="0"/>
+          <a:ext cx="0" cy="0"/>
+          <a:chOff x="0" y="0"/>
+          <a:chExt cx="0" cy="0"/>
+        </a:xfrm>
+      </p:grpSpPr>
+      <p:grpSp>
+        <p:nvGrpSpPr>
+          <p:cNvPr id="7" name="Group 6">
+            <a:extLst>
+              <a:ext uri="{FF2B5EF4-FFF2-40B4-BE49-F238E27FC236}">
+                <a16:creationId xmlns:a16="http://schemas.microsoft.com/office/drawing/2014/main" id="{85251DAE-879E-46A3-A5FC-844A673A52D6}"/>
+              </a:ext>
+            </a:extLst>
+          </p:cNvPr>
+          <p:cNvGrpSpPr/>
+          <p:nvPr/>
+        </p:nvGrpSpPr>
+        <p:grpSpPr>
+          <a:xfrm>
+            <a:off x="1674318" y="624840"/>
+            <a:ext cx="9298482" cy="6148357"/>
+            <a:chOff x="1674318" y="84803"/>
+            <a:chExt cx="9298482" cy="6688394"/>
+          </a:xfrm>
+        </p:grpSpPr>
+        <p:graphicFrame>
+          <p:nvGraphicFramePr>
+            <p:cNvPr id="5" name="Chart 4">
+              <a:extLst>
+                <a:ext uri="{FF2B5EF4-FFF2-40B4-BE49-F238E27FC236}">
+                  <a16:creationId xmlns:a16="http://schemas.microsoft.com/office/drawing/2014/main" id="{E0ADC1DB-084E-4FC5-9ECF-058D7A74E472}"/>
+                </a:ext>
+              </a:extLst>
+            </p:cNvPr>
+            <p:cNvGraphicFramePr>
+              <a:graphicFrameLocks/>
+            </p:cNvGraphicFramePr>
+            <p:nvPr>
+              <p:extLst>
+                <p:ext uri="{D42A27DB-BD31-4B8C-83A1-F6EECF244321}">
+                  <p14:modId xmlns:p14="http://schemas.microsoft.com/office/powerpoint/2010/main" val="553033243"/>
+                </p:ext>
+              </p:extLst>
+            </p:nvPr>
+          </p:nvGraphicFramePr>
+          <p:xfrm>
+            <a:off x="1674318" y="84803"/>
+            <a:ext cx="9298482" cy="6688394"/>
+          </p:xfrm>
+          <a:graphic>
+            <a:graphicData uri="http://schemas.openxmlformats.org/drawingml/2006/chart">
+              <c:chart xmlns:c="http://schemas.openxmlformats.org/drawingml/2006/chart" xmlns:r="http://schemas.openxmlformats.org/officeDocument/2006/relationships" r:id="rId2"/>
+            </a:graphicData>
+          </a:graphic>
+        </p:graphicFrame>
+        <p:sp>
+          <p:nvSpPr>
+            <p:cNvPr id="6" name="Rectangle 5">
+              <a:extLst>
+                <a:ext uri="{FF2B5EF4-FFF2-40B4-BE49-F238E27FC236}">
+                  <a16:creationId xmlns:a16="http://schemas.microsoft.com/office/drawing/2014/main" id="{C5F20673-8C2C-4A61-A57D-85890649EE25}"/>
+                </a:ext>
+              </a:extLst>
+            </p:cNvPr>
+            <p:cNvSpPr/>
+            <p:nvPr/>
+          </p:nvSpPr>
+          <p:spPr>
+            <a:xfrm>
+              <a:off x="10690860" y="84803"/>
+              <a:ext cx="228600" cy="6688394"/>
+            </a:xfrm>
+            <a:prstGeom prst="rect">
+              <a:avLst/>
+            </a:prstGeom>
+            <a:solidFill>
+              <a:schemeClr val="bg1"/>
+            </a:solidFill>
+            <a:ln>
+              <a:solidFill>
+                <a:schemeClr val="bg1"/>
+              </a:solidFill>
+            </a:ln>
+          </p:spPr>
+          <p:style>
+            <a:lnRef idx="2">
+              <a:schemeClr val="accent1">
+                <a:shade val="50000"/>
+              </a:schemeClr>
+            </a:lnRef>
+            <a:fillRef idx="1">
+              <a:schemeClr val="accent1"/>
+            </a:fillRef>
+            <a:effectRef idx="0">
+              <a:schemeClr val="accent1"/>
+            </a:effectRef>
+            <a:fontRef idx="minor">
+              <a:schemeClr val="lt1"/>
+            </a:fontRef>
+          </p:style>
+          <p:txBody>
+            <a:bodyPr rtlCol="0" anchor="ctr"/>
+            <a:lstStyle/>
+            <a:p>
+              <a:pPr algn="ctr"/>
+              <a:endParaRPr lang="ro-RO"/>
+            </a:p>
+          </p:txBody>
+        </p:sp>
+      </p:grpSp>
+    </p:spTree>
+    <p:extLst>
+      <p:ext uri="{BB962C8B-B14F-4D97-AF65-F5344CB8AC3E}">
+        <p14:creationId xmlns:p14="http://schemas.microsoft.com/office/powerpoint/2010/main" val="3608205898"/>
+      </p:ext>
+    </p:extLst>
+  </p:cSld>
+  <p:clrMapOvr>
+    <a:masterClrMapping/>
+  </p:clrMapOvr>
+</p:sld>
+</file>
+
 <file path=ppt/theme/theme1.xml><?xml version="1.0" encoding="utf-8"?>
 <a:theme xmlns:a="http://schemas.openxmlformats.org/drawingml/2006/main" name="Office Theme">
   <a:themeElements>
